--- a/docs/Data Pipeline Diagram and Model Explainability.pptx
+++ b/docs/Data Pipeline Diagram and Model Explainability.pptx
@@ -219,7 +219,7 @@
           <a:p>
             <a:fld id="{B56F32FC-4BD9-442A-A8C6-51598C909FE3}" type="datetimeFigureOut">
               <a:rPr lang="en-US" smtClean="0"/>
-              <a:t>2/12/23</a:t>
+              <a:t>2/19/23</a:t>
             </a:fld>
             <a:endParaRPr lang="en-US" dirty="0"/>
           </a:p>
@@ -396,7 +396,7 @@
           <a:p>
             <a:fld id="{056371FA-A98D-41E8-93F4-09945841298A}" type="datetimeFigureOut">
               <a:rPr lang="en-US" smtClean="0"/>
-              <a:t>2/12/23</a:t>
+              <a:t>2/19/23</a:t>
             </a:fld>
             <a:endParaRPr lang="en-US" dirty="0"/>
           </a:p>
@@ -9876,7 +9876,7 @@
                 <a:effectLst/>
                 <a:latin typeface="Lato" panose="020F0502020204030203" pitchFamily="34" charset="0"/>
               </a:rPr>
-              <a:t>Global interpretation help in understanding the suitability of the model for deployment</a:t>
+              <a:t>Global interpretation helps in understanding the suitability of the model for deployment</a:t>
             </a:r>
           </a:p>
           <a:p>
@@ -10427,7 +10427,7 @@
         </p:nvSpPr>
         <p:spPr>
           <a:xfrm>
-            <a:off x="3213525" y="1407978"/>
+            <a:off x="3389370" y="1407978"/>
             <a:ext cx="2882475" cy="823912"/>
           </a:xfrm>
           <a:prstGeom prst="rect">
@@ -10629,7 +10629,7 @@
         </p:nvSpPr>
         <p:spPr>
           <a:xfrm>
-            <a:off x="3213525" y="1977259"/>
+            <a:off x="3389370" y="1977259"/>
             <a:ext cx="2882475" cy="1997867"/>
           </a:xfrm>
           <a:prstGeom prst="rect">
@@ -10834,7 +10834,7 @@
         </p:nvSpPr>
         <p:spPr>
           <a:xfrm>
-            <a:off x="6618086" y="1407978"/>
+            <a:off x="6793931" y="1407978"/>
             <a:ext cx="2896671" cy="823912"/>
           </a:xfrm>
           <a:prstGeom prst="rect">
@@ -11034,7 +11034,7 @@
         </p:nvSpPr>
         <p:spPr>
           <a:xfrm>
-            <a:off x="6618086" y="1977259"/>
+            <a:off x="6793931" y="1977259"/>
             <a:ext cx="2896671" cy="1997867"/>
           </a:xfrm>
           <a:prstGeom prst="rect">
@@ -11219,57 +11219,6 @@
             <a:r>
               <a:rPr lang="en-US" dirty="0"/>
               <a:t>TBD</a:t>
-            </a:r>
-          </a:p>
-        </p:txBody>
-      </p:sp>
-      <p:sp>
-        <p:nvSpPr>
-          <p:cNvPr id="2" name="TextBox 1">
-            <a:extLst>
-              <a:ext uri="{FF2B5EF4-FFF2-40B4-BE49-F238E27FC236}">
-                <a16:creationId xmlns:a16="http://schemas.microsoft.com/office/drawing/2014/main" id="{DDC847CA-B353-EE8A-30A9-1D99307363CA}"/>
-              </a:ext>
-            </a:extLst>
-          </p:cNvPr>
-          <p:cNvSpPr txBox="1"/>
-          <p:nvPr/>
-        </p:nvSpPr>
-        <p:spPr>
-          <a:xfrm>
-            <a:off x="2577771" y="5769152"/>
-            <a:ext cx="8776029" cy="369332"/>
-          </a:xfrm>
-          <a:prstGeom prst="rect">
-            <a:avLst/>
-          </a:prstGeom>
-          <a:noFill/>
-        </p:spPr>
-        <p:txBody>
-          <a:bodyPr wrap="square">
-            <a:spAutoFit/>
-          </a:bodyPr>
-          <a:lstStyle/>
-          <a:p>
-            <a:r>
-              <a:rPr lang="en-US" dirty="0"/>
-              <a:t>https://</a:t>
-            </a:r>
-            <a:r>
-              <a:rPr lang="en-US" dirty="0" err="1"/>
-              <a:t>www.analyticsvidhya.com</a:t>
-            </a:r>
-            <a:r>
-              <a:rPr lang="en-US" dirty="0"/>
-              <a:t>/blog/2021/11/model-</a:t>
-            </a:r>
-            <a:r>
-              <a:rPr lang="en-US" dirty="0" err="1"/>
-              <a:t>explainability</a:t>
-            </a:r>
-            <a:r>
-              <a:rPr lang="en-US" dirty="0"/>
-              <a:t>/</a:t>
             </a:r>
           </a:p>
         </p:txBody>
@@ -12245,34 +12194,6 @@
 </file>
 
 <file path=customXml/item1.xml><?xml version="1.0" encoding="utf-8"?>
-<?mso-contentType ?>
-<FormTemplates xmlns="http://schemas.microsoft.com/sharepoint/v3/contenttype/forms">
-  <Display>DocumentLibraryForm</Display>
-  <Edit>DocumentLibraryForm</Edit>
-  <New>DocumentLibraryForm</New>
-</FormTemplates>
-</file>
-
-<file path=customXml/item2.xml><?xml version="1.0" encoding="utf-8"?>
-<p:properties xmlns:p="http://schemas.microsoft.com/office/2006/metadata/properties" xmlns:xsi="http://www.w3.org/2001/XMLSchema-instance" xmlns:pc="http://schemas.microsoft.com/office/infopath/2007/PartnerControls">
-  <documentManagement>
-    <_ip_UnifiedCompliancePolicyUIAction xmlns="http://schemas.microsoft.com/sharepoint/v3" xsi:nil="true"/>
-    <Image xmlns="71af3243-3dd4-4a8d-8c0d-dd76da1f02a5">
-      <Url xsi:nil="true"/>
-      <Description xsi:nil="true"/>
-    </Image>
-    <Status xmlns="71af3243-3dd4-4a8d-8c0d-dd76da1f02a5">Not started</Status>
-    <_ip_UnifiedCompliancePolicyProperties xmlns="http://schemas.microsoft.com/sharepoint/v3" xsi:nil="true"/>
-    <ImageTagsTaxHTField xmlns="71af3243-3dd4-4a8d-8c0d-dd76da1f02a5">
-      <Terms xmlns="http://schemas.microsoft.com/office/infopath/2007/PartnerControls"/>
-    </ImageTagsTaxHTField>
-    <TaxCatchAll xmlns="230e9df3-be65-4c73-a93b-d1236ebd677e"/>
-    <MediaServiceKeyPoints xmlns="71af3243-3dd4-4a8d-8c0d-dd76da1f02a5" xsi:nil="true"/>
-  </documentManagement>
-</p:properties>
-</file>
-
-<file path=customXml/item3.xml><?xml version="1.0" encoding="utf-8"?>
 <ct:contentTypeSchema xmlns:ct="http://schemas.microsoft.com/office/2006/metadata/contentType" xmlns:ma="http://schemas.microsoft.com/office/2006/metadata/properties/metaAttributes" ct:_="" ma:_="" ma:contentTypeName="Document" ma:contentTypeID="0x01010079F111ED35F8CC479449609E8A0923A6" ma:contentTypeVersion="20" ma:contentTypeDescription="Create a new document." ma:contentTypeScope="" ma:versionID="1267097ee5f5874adfcc408041ae252e">
   <xsd:schema xmlns:xsd="http://www.w3.org/2001/XMLSchema" xmlns:xs="http://www.w3.org/2001/XMLSchema" xmlns:p="http://schemas.microsoft.com/office/2006/metadata/properties" xmlns:ns1="http://schemas.microsoft.com/sharepoint/v3" xmlns:ns2="71af3243-3dd4-4a8d-8c0d-dd76da1f02a5" xmlns:ns3="16c05727-aa75-4e4a-9b5f-8a80a1165891" xmlns:ns4="230e9df3-be65-4c73-a93b-d1236ebd677e" targetNamespace="http://schemas.microsoft.com/office/2006/metadata/properties" ma:root="true" ma:fieldsID="395891a93df65b14727750f2c06c306c" ns1:_="" ns2:_="" ns3:_="" ns4:_="">
     <xsd:import namespace="http://schemas.microsoft.com/sharepoint/v3"/>
@@ -12548,27 +12469,35 @@
 </ct:contentTypeSchema>
 </file>
 
-<file path=customXml/itemProps1.xml><?xml version="1.0" encoding="utf-8"?>
-<ds:datastoreItem xmlns:ds="http://schemas.openxmlformats.org/officeDocument/2006/customXml" ds:itemID="{BD5826B4-4DD2-4A9B-8D6D-E91CF9C2316C}">
-  <ds:schemaRefs>
-    <ds:schemaRef ds:uri="http://schemas.microsoft.com/sharepoint/v3/contenttype/forms"/>
-  </ds:schemaRefs>
-</ds:datastoreItem>
+<file path=customXml/item2.xml><?xml version="1.0" encoding="utf-8"?>
+<p:properties xmlns:p="http://schemas.microsoft.com/office/2006/metadata/properties" xmlns:xsi="http://www.w3.org/2001/XMLSchema-instance" xmlns:pc="http://schemas.microsoft.com/office/infopath/2007/PartnerControls">
+  <documentManagement>
+    <_ip_UnifiedCompliancePolicyUIAction xmlns="http://schemas.microsoft.com/sharepoint/v3" xsi:nil="true"/>
+    <Image xmlns="71af3243-3dd4-4a8d-8c0d-dd76da1f02a5">
+      <Url xsi:nil="true"/>
+      <Description xsi:nil="true"/>
+    </Image>
+    <Status xmlns="71af3243-3dd4-4a8d-8c0d-dd76da1f02a5">Not started</Status>
+    <_ip_UnifiedCompliancePolicyProperties xmlns="http://schemas.microsoft.com/sharepoint/v3" xsi:nil="true"/>
+    <ImageTagsTaxHTField xmlns="71af3243-3dd4-4a8d-8c0d-dd76da1f02a5">
+      <Terms xmlns="http://schemas.microsoft.com/office/infopath/2007/PartnerControls"/>
+    </ImageTagsTaxHTField>
+    <TaxCatchAll xmlns="230e9df3-be65-4c73-a93b-d1236ebd677e"/>
+    <MediaServiceKeyPoints xmlns="71af3243-3dd4-4a8d-8c0d-dd76da1f02a5" xsi:nil="true"/>
+  </documentManagement>
+</p:properties>
 </file>
 
-<file path=customXml/itemProps2.xml><?xml version="1.0" encoding="utf-8"?>
-<ds:datastoreItem xmlns:ds="http://schemas.openxmlformats.org/officeDocument/2006/customXml" ds:itemID="{4CC7F809-A434-4A8D-A127-1C50C2DB3890}">
-  <ds:schemaRefs>
-    <ds:schemaRef ds:uri="http://schemas.microsoft.com/office/2006/metadata/properties"/>
-    <ds:schemaRef ds:uri="http://schemas.microsoft.com/office/infopath/2007/PartnerControls"/>
-    <ds:schemaRef ds:uri="http://schemas.microsoft.com/sharepoint/v3"/>
-    <ds:schemaRef ds:uri="71af3243-3dd4-4a8d-8c0d-dd76da1f02a5"/>
-    <ds:schemaRef ds:uri="230e9df3-be65-4c73-a93b-d1236ebd677e"/>
-  </ds:schemaRefs>
-</ds:datastoreItem>
+<file path=customXml/item3.xml><?xml version="1.0" encoding="utf-8"?>
+<?mso-contentType ?>
+<FormTemplates xmlns="http://schemas.microsoft.com/sharepoint/v3/contenttype/forms">
+  <Display>DocumentLibraryForm</Display>
+  <Edit>DocumentLibraryForm</Edit>
+  <New>DocumentLibraryForm</New>
+</FormTemplates>
 </file>
 
-<file path=customXml/itemProps3.xml><?xml version="1.0" encoding="utf-8"?>
+<file path=customXml/itemProps1.xml><?xml version="1.0" encoding="utf-8"?>
 <ds:datastoreItem xmlns:ds="http://schemas.openxmlformats.org/officeDocument/2006/customXml" ds:itemID="{4DC6F004-8F9D-4F40-8394-6C4C67F70915}">
   <ds:schemaRefs>
     <ds:schemaRef ds:uri="http://schemas.microsoft.com/office/2006/metadata/contentType"/>
@@ -12589,6 +12518,26 @@
 </ds:datastoreItem>
 </file>
 
+<file path=customXml/itemProps2.xml><?xml version="1.0" encoding="utf-8"?>
+<ds:datastoreItem xmlns:ds="http://schemas.openxmlformats.org/officeDocument/2006/customXml" ds:itemID="{4CC7F809-A434-4A8D-A127-1C50C2DB3890}">
+  <ds:schemaRefs>
+    <ds:schemaRef ds:uri="http://schemas.microsoft.com/office/2006/metadata/properties"/>
+    <ds:schemaRef ds:uri="http://schemas.microsoft.com/office/infopath/2007/PartnerControls"/>
+    <ds:schemaRef ds:uri="http://schemas.microsoft.com/sharepoint/v3"/>
+    <ds:schemaRef ds:uri="71af3243-3dd4-4a8d-8c0d-dd76da1f02a5"/>
+    <ds:schemaRef ds:uri="230e9df3-be65-4c73-a93b-d1236ebd677e"/>
+  </ds:schemaRefs>
+</ds:datastoreItem>
+</file>
+
+<file path=customXml/itemProps3.xml><?xml version="1.0" encoding="utf-8"?>
+<ds:datastoreItem xmlns:ds="http://schemas.openxmlformats.org/officeDocument/2006/customXml" ds:itemID="{BD5826B4-4DD2-4A9B-8D6D-E91CF9C2316C}">
+  <ds:schemaRefs>
+    <ds:schemaRef ds:uri="http://schemas.microsoft.com/sharepoint/v3/contenttype/forms"/>
+  </ds:schemaRefs>
+</ds:datastoreItem>
+</file>
+
 <file path=docMetadata/LabelInfo.xml><?xml version="1.0" encoding="utf-8"?>
 <clbl:labelList xmlns:clbl="http://schemas.microsoft.com/office/2020/mipLabelMetadata">
   <clbl:label id="{f42aa342-8706-4288-bd11-ebb85995028c}" enabled="1" method="Standard" siteId="{72f988bf-86f1-41af-91ab-2d7cd011db47}" removed="0"/>

--- a/docs/Data Pipeline Diagram and Model Explainability.pptx
+++ b/docs/Data Pipeline Diagram and Model Explainability.pptx
@@ -5,17 +5,18 @@
     <p:sldMasterId id="2147483648" r:id="rId4"/>
   </p:sldMasterIdLst>
   <p:notesMasterIdLst>
-    <p:notesMasterId r:id="rId10"/>
+    <p:notesMasterId r:id="rId11"/>
   </p:notesMasterIdLst>
   <p:handoutMasterIdLst>
-    <p:handoutMasterId r:id="rId11"/>
+    <p:handoutMasterId r:id="rId12"/>
   </p:handoutMasterIdLst>
   <p:sldIdLst>
     <p:sldId id="256" r:id="rId5"/>
     <p:sldId id="258" r:id="rId6"/>
     <p:sldId id="261" r:id="rId7"/>
     <p:sldId id="270" r:id="rId8"/>
-    <p:sldId id="266" r:id="rId9"/>
+    <p:sldId id="271" r:id="rId9"/>
+    <p:sldId id="266" r:id="rId10"/>
   </p:sldIdLst>
   <p:sldSz cx="12192000" cy="6858000"/>
   <p:notesSz cx="6858000" cy="9144000"/>
@@ -10630,7 +10631,7 @@
         <p:spPr>
           <a:xfrm>
             <a:off x="3389370" y="1977259"/>
-            <a:ext cx="2882475" cy="1997867"/>
+            <a:ext cx="2882475" cy="4379091"/>
           </a:xfrm>
           <a:prstGeom prst="rect">
             <a:avLst/>
@@ -10806,15 +10807,40 @@
           </a:lstStyle>
           <a:p>
             <a:r>
-              <a:rPr lang="en-US" dirty="0"/>
-              <a:t>TBD</a:t>
-            </a:r>
-          </a:p>
-          <a:p>
-            <a:r>
-              <a:rPr lang="en-US" dirty="0"/>
-              <a:t>TBD</a:t>
-            </a:r>
+              <a:rPr lang="en-CA" sz="1600" b="0" i="0" u="none" strike="noStrike" dirty="0">
+                <a:solidFill>
+                  <a:srgbClr val="222222"/>
+                </a:solidFill>
+                <a:effectLst/>
+                <a:latin typeface="Lato" panose="020F0502020204030203" pitchFamily="34" charset="0"/>
+              </a:rPr>
+              <a:t>SHAP shows the impact of each feature by interpreting the impact of a certain value compared to a baseline value.</a:t>
+            </a:r>
+          </a:p>
+          <a:p>
+            <a:r>
+              <a:rPr lang="en-CA" sz="1600" b="0" i="0" u="none" strike="noStrike" dirty="0">
+                <a:solidFill>
+                  <a:srgbClr val="222222"/>
+                </a:solidFill>
+                <a:effectLst/>
+                <a:latin typeface="Lato" panose="020F0502020204030203" pitchFamily="34" charset="0"/>
+              </a:rPr>
+              <a:t>The baseline used for prediction is the average of all the predictions. SHAP values allow us to determine any prediction as a sum of the effects of each feature value.</a:t>
+            </a:r>
+          </a:p>
+          <a:p>
+            <a:r>
+              <a:rPr lang="en-CA" sz="1600" b="0" i="0" u="none" strike="noStrike" dirty="0">
+                <a:solidFill>
+                  <a:srgbClr val="222222"/>
+                </a:solidFill>
+                <a:effectLst/>
+                <a:latin typeface="Lato" panose="020F0502020204030203" pitchFamily="34" charset="0"/>
+              </a:rPr>
+              <a:t>SHAP values allow us to determine any prediction as a sum of the effects of each feature value.</a:t>
+            </a:r>
+            <a:endParaRPr lang="en-US" sz="1600" dirty="0"/>
           </a:p>
         </p:txBody>
       </p:sp>
@@ -11035,7 +11061,7 @@
         <p:spPr>
           <a:xfrm>
             <a:off x="6793931" y="1977259"/>
-            <a:ext cx="2896671" cy="1997867"/>
+            <a:ext cx="2896671" cy="3849110"/>
           </a:xfrm>
           <a:prstGeom prst="rect">
             <a:avLst/>
@@ -11211,14 +11237,28 @@
           </a:lstStyle>
           <a:p>
             <a:r>
-              <a:rPr lang="en-US" dirty="0"/>
-              <a:t>TBD </a:t>
-            </a:r>
-          </a:p>
-          <a:p>
-            <a:r>
-              <a:rPr lang="en-US" dirty="0"/>
-              <a:t>TBD</a:t>
+              <a:rPr lang="en-US" sz="1600" dirty="0"/>
+              <a:t>A </a:t>
+            </a:r>
+            <a:r>
+              <a:rPr lang="en-US" sz="1600" i="1" dirty="0"/>
+              <a:t>permutation importance </a:t>
+            </a:r>
+            <a:r>
+              <a:rPr lang="en-US" sz="1600" dirty="0"/>
+              <a:t>method, whereby the model’s scoring changes with the feature in existence or not.</a:t>
+            </a:r>
+          </a:p>
+          <a:p>
+            <a:r>
+              <a:rPr lang="en-US" sz="1600" dirty="0"/>
+              <a:t>High positive Eli-5 scores mean the feature is of importance relative to other features</a:t>
+            </a:r>
+          </a:p>
+          <a:p>
+            <a:r>
+              <a:rPr lang="en-US" sz="1600" dirty="0"/>
+              <a:t>Interpretation of the Eli-5 score with respect to sensor reading impacts on RUL will be easier for maintenance and engineering teams.</a:t>
             </a:r>
           </a:p>
         </p:txBody>
@@ -11255,6 +11295,167 @@
       </p:grpSpPr>
       <p:sp>
         <p:nvSpPr>
+          <p:cNvPr id="3" name="Title 2">
+            <a:extLst>
+              <a:ext uri="{FF2B5EF4-FFF2-40B4-BE49-F238E27FC236}">
+                <a16:creationId xmlns:a16="http://schemas.microsoft.com/office/drawing/2014/main" id="{77762301-F83A-4BEA-9D11-E6C99FB574A8}"/>
+              </a:ext>
+            </a:extLst>
+          </p:cNvPr>
+          <p:cNvSpPr>
+            <a:spLocks noGrp="1"/>
+          </p:cNvSpPr>
+          <p:nvPr>
+            <p:ph type="title"/>
+          </p:nvPr>
+        </p:nvSpPr>
+        <p:spPr>
+          <a:xfrm>
+            <a:off x="0" y="327732"/>
+            <a:ext cx="12192000" cy="752514"/>
+          </a:xfrm>
+        </p:spPr>
+        <p:txBody>
+          <a:bodyPr/>
+          <a:lstStyle/>
+          <a:p>
+            <a:r>
+              <a:rPr lang="en-US" dirty="0"/>
+              <a:t>MODEL EXPLAINABILITY LIBRARIES: ELI-5</a:t>
+            </a:r>
+          </a:p>
+        </p:txBody>
+      </p:sp>
+      <p:sp>
+        <p:nvSpPr>
+          <p:cNvPr id="7" name="Footer Placeholder 6">
+            <a:extLst>
+              <a:ext uri="{FF2B5EF4-FFF2-40B4-BE49-F238E27FC236}">
+                <a16:creationId xmlns:a16="http://schemas.microsoft.com/office/drawing/2014/main" id="{4E98E6AD-9D37-499C-898E-ED12AC36D31D}"/>
+              </a:ext>
+            </a:extLst>
+          </p:cNvPr>
+          <p:cNvSpPr>
+            <a:spLocks noGrp="1"/>
+          </p:cNvSpPr>
+          <p:nvPr>
+            <p:ph type="ftr" sz="quarter" idx="11"/>
+          </p:nvPr>
+        </p:nvSpPr>
+        <p:spPr>
+          <a:xfrm>
+            <a:off x="4038600" y="6356350"/>
+            <a:ext cx="4114800" cy="365125"/>
+          </a:xfrm>
+        </p:spPr>
+        <p:txBody>
+          <a:bodyPr/>
+          <a:lstStyle/>
+          <a:p>
+            <a:r>
+              <a:rPr lang="en-US" dirty="0"/>
+              <a:t>PREDICTING RUL OF TURBOFAN ENGINES: MODEL EXPLAINABILITY</a:t>
+            </a:r>
+          </a:p>
+        </p:txBody>
+      </p:sp>
+      <p:sp>
+        <p:nvSpPr>
+          <p:cNvPr id="8" name="Slide Number Placeholder 7">
+            <a:extLst>
+              <a:ext uri="{FF2B5EF4-FFF2-40B4-BE49-F238E27FC236}">
+                <a16:creationId xmlns:a16="http://schemas.microsoft.com/office/drawing/2014/main" id="{92908AF9-2A07-4B50-BC13-471792106EC8}"/>
+              </a:ext>
+            </a:extLst>
+          </p:cNvPr>
+          <p:cNvSpPr>
+            <a:spLocks noGrp="1"/>
+          </p:cNvSpPr>
+          <p:nvPr>
+            <p:ph type="sldNum" sz="quarter" idx="12"/>
+          </p:nvPr>
+        </p:nvSpPr>
+        <p:spPr>
+          <a:xfrm>
+            <a:off x="8610600" y="6356350"/>
+            <a:ext cx="2743200" cy="365125"/>
+          </a:xfrm>
+        </p:spPr>
+        <p:txBody>
+          <a:bodyPr/>
+          <a:lstStyle/>
+          <a:p>
+            <a:fld id="{A49DFD55-3C28-40EF-9E31-A92D2E4017FF}" type="slidenum">
+              <a:rPr lang="en-US" smtClean="0"/>
+              <a:pPr/>
+              <a:t>5</a:t>
+            </a:fld>
+            <a:endParaRPr lang="en-US" dirty="0"/>
+          </a:p>
+        </p:txBody>
+      </p:sp>
+      <p:pic>
+        <p:nvPicPr>
+          <p:cNvPr id="2" name="Picture 1">
+            <a:extLst>
+              <a:ext uri="{FF2B5EF4-FFF2-40B4-BE49-F238E27FC236}">
+                <a16:creationId xmlns:a16="http://schemas.microsoft.com/office/drawing/2014/main" id="{FA779F8F-3AB8-C499-7D8D-9BE1D46E66A4}"/>
+              </a:ext>
+            </a:extLst>
+          </p:cNvPr>
+          <p:cNvPicPr>
+            <a:picLocks noChangeAspect="1"/>
+          </p:cNvPicPr>
+          <p:nvPr/>
+        </p:nvPicPr>
+        <p:blipFill>
+          <a:blip r:embed="rId2"/>
+          <a:stretch>
+            <a:fillRect/>
+          </a:stretch>
+        </p:blipFill>
+        <p:spPr>
+          <a:xfrm>
+            <a:off x="1918855" y="1415501"/>
+            <a:ext cx="9261764" cy="4237337"/>
+          </a:xfrm>
+          <a:prstGeom prst="rect">
+            <a:avLst/>
+          </a:prstGeom>
+        </p:spPr>
+      </p:pic>
+    </p:spTree>
+    <p:extLst>
+      <p:ext uri="{BB962C8B-B14F-4D97-AF65-F5344CB8AC3E}">
+        <p14:creationId xmlns:p14="http://schemas.microsoft.com/office/powerpoint/2010/main" val="462715224"/>
+      </p:ext>
+    </p:extLst>
+  </p:cSld>
+  <p:clrMapOvr>
+    <a:masterClrMapping/>
+  </p:clrMapOvr>
+</p:sld>
+</file>
+
+<file path=ppt/slides/slide6.xml><?xml version="1.0" encoding="utf-8"?>
+<p:sld xmlns:a="http://schemas.openxmlformats.org/drawingml/2006/main" xmlns:r="http://schemas.openxmlformats.org/officeDocument/2006/relationships" xmlns:p="http://schemas.openxmlformats.org/presentationml/2006/main">
+  <p:cSld>
+    <p:spTree>
+      <p:nvGrpSpPr>
+        <p:cNvPr id="1" name=""/>
+        <p:cNvGrpSpPr/>
+        <p:nvPr/>
+      </p:nvGrpSpPr>
+      <p:grpSpPr>
+        <a:xfrm>
+          <a:off x="0" y="0"/>
+          <a:ext cx="0" cy="0"/>
+          <a:chOff x="0" y="0"/>
+          <a:chExt cx="0" cy="0"/>
+        </a:xfrm>
+      </p:grpSpPr>
+      <p:sp>
+        <p:nvSpPr>
           <p:cNvPr id="2" name="Title 1">
             <a:extLst>
               <a:ext uri="{FF2B5EF4-FFF2-40B4-BE49-F238E27FC236}">
@@ -11383,7 +11584,7 @@
             <a:fld id="{A49DFD55-3C28-40EF-9E31-A92D2E4017FF}" type="slidenum">
               <a:rPr lang="en-US" smtClean="0"/>
               <a:pPr/>
-              <a:t>5</a:t>
+              <a:t>6</a:t>
             </a:fld>
             <a:endParaRPr lang="en-US" dirty="0"/>
           </a:p>
@@ -12194,6 +12395,34 @@
 </file>
 
 <file path=customXml/item1.xml><?xml version="1.0" encoding="utf-8"?>
+<?mso-contentType ?>
+<FormTemplates xmlns="http://schemas.microsoft.com/sharepoint/v3/contenttype/forms">
+  <Display>DocumentLibraryForm</Display>
+  <Edit>DocumentLibraryForm</Edit>
+  <New>DocumentLibraryForm</New>
+</FormTemplates>
+</file>
+
+<file path=customXml/item2.xml><?xml version="1.0" encoding="utf-8"?>
+<p:properties xmlns:p="http://schemas.microsoft.com/office/2006/metadata/properties" xmlns:xsi="http://www.w3.org/2001/XMLSchema-instance" xmlns:pc="http://schemas.microsoft.com/office/infopath/2007/PartnerControls">
+  <documentManagement>
+    <_ip_UnifiedCompliancePolicyUIAction xmlns="http://schemas.microsoft.com/sharepoint/v3" xsi:nil="true"/>
+    <Image xmlns="71af3243-3dd4-4a8d-8c0d-dd76da1f02a5">
+      <Url xsi:nil="true"/>
+      <Description xsi:nil="true"/>
+    </Image>
+    <Status xmlns="71af3243-3dd4-4a8d-8c0d-dd76da1f02a5">Not started</Status>
+    <_ip_UnifiedCompliancePolicyProperties xmlns="http://schemas.microsoft.com/sharepoint/v3" xsi:nil="true"/>
+    <ImageTagsTaxHTField xmlns="71af3243-3dd4-4a8d-8c0d-dd76da1f02a5">
+      <Terms xmlns="http://schemas.microsoft.com/office/infopath/2007/PartnerControls"/>
+    </ImageTagsTaxHTField>
+    <TaxCatchAll xmlns="230e9df3-be65-4c73-a93b-d1236ebd677e"/>
+    <MediaServiceKeyPoints xmlns="71af3243-3dd4-4a8d-8c0d-dd76da1f02a5" xsi:nil="true"/>
+  </documentManagement>
+</p:properties>
+</file>
+
+<file path=customXml/item3.xml><?xml version="1.0" encoding="utf-8"?>
 <ct:contentTypeSchema xmlns:ct="http://schemas.microsoft.com/office/2006/metadata/contentType" xmlns:ma="http://schemas.microsoft.com/office/2006/metadata/properties/metaAttributes" ct:_="" ma:_="" ma:contentTypeName="Document" ma:contentTypeID="0x01010079F111ED35F8CC479449609E8A0923A6" ma:contentTypeVersion="20" ma:contentTypeDescription="Create a new document." ma:contentTypeScope="" ma:versionID="1267097ee5f5874adfcc408041ae252e">
   <xsd:schema xmlns:xsd="http://www.w3.org/2001/XMLSchema" xmlns:xs="http://www.w3.org/2001/XMLSchema" xmlns:p="http://schemas.microsoft.com/office/2006/metadata/properties" xmlns:ns1="http://schemas.microsoft.com/sharepoint/v3" xmlns:ns2="71af3243-3dd4-4a8d-8c0d-dd76da1f02a5" xmlns:ns3="16c05727-aa75-4e4a-9b5f-8a80a1165891" xmlns:ns4="230e9df3-be65-4c73-a93b-d1236ebd677e" targetNamespace="http://schemas.microsoft.com/office/2006/metadata/properties" ma:root="true" ma:fieldsID="395891a93df65b14727750f2c06c306c" ns1:_="" ns2:_="" ns3:_="" ns4:_="">
     <xsd:import namespace="http://schemas.microsoft.com/sharepoint/v3"/>
@@ -12469,35 +12698,27 @@
 </ct:contentTypeSchema>
 </file>
 
-<file path=customXml/item2.xml><?xml version="1.0" encoding="utf-8"?>
-<p:properties xmlns:p="http://schemas.microsoft.com/office/2006/metadata/properties" xmlns:xsi="http://www.w3.org/2001/XMLSchema-instance" xmlns:pc="http://schemas.microsoft.com/office/infopath/2007/PartnerControls">
-  <documentManagement>
-    <_ip_UnifiedCompliancePolicyUIAction xmlns="http://schemas.microsoft.com/sharepoint/v3" xsi:nil="true"/>
-    <Image xmlns="71af3243-3dd4-4a8d-8c0d-dd76da1f02a5">
-      <Url xsi:nil="true"/>
-      <Description xsi:nil="true"/>
-    </Image>
-    <Status xmlns="71af3243-3dd4-4a8d-8c0d-dd76da1f02a5">Not started</Status>
-    <_ip_UnifiedCompliancePolicyProperties xmlns="http://schemas.microsoft.com/sharepoint/v3" xsi:nil="true"/>
-    <ImageTagsTaxHTField xmlns="71af3243-3dd4-4a8d-8c0d-dd76da1f02a5">
-      <Terms xmlns="http://schemas.microsoft.com/office/infopath/2007/PartnerControls"/>
-    </ImageTagsTaxHTField>
-    <TaxCatchAll xmlns="230e9df3-be65-4c73-a93b-d1236ebd677e"/>
-    <MediaServiceKeyPoints xmlns="71af3243-3dd4-4a8d-8c0d-dd76da1f02a5" xsi:nil="true"/>
-  </documentManagement>
-</p:properties>
+<file path=customXml/itemProps1.xml><?xml version="1.0" encoding="utf-8"?>
+<ds:datastoreItem xmlns:ds="http://schemas.openxmlformats.org/officeDocument/2006/customXml" ds:itemID="{BD5826B4-4DD2-4A9B-8D6D-E91CF9C2316C}">
+  <ds:schemaRefs>
+    <ds:schemaRef ds:uri="http://schemas.microsoft.com/sharepoint/v3/contenttype/forms"/>
+  </ds:schemaRefs>
+</ds:datastoreItem>
 </file>
 
-<file path=customXml/item3.xml><?xml version="1.0" encoding="utf-8"?>
-<?mso-contentType ?>
-<FormTemplates xmlns="http://schemas.microsoft.com/sharepoint/v3/contenttype/forms">
-  <Display>DocumentLibraryForm</Display>
-  <Edit>DocumentLibraryForm</Edit>
-  <New>DocumentLibraryForm</New>
-</FormTemplates>
+<file path=customXml/itemProps2.xml><?xml version="1.0" encoding="utf-8"?>
+<ds:datastoreItem xmlns:ds="http://schemas.openxmlformats.org/officeDocument/2006/customXml" ds:itemID="{4CC7F809-A434-4A8D-A127-1C50C2DB3890}">
+  <ds:schemaRefs>
+    <ds:schemaRef ds:uri="http://schemas.microsoft.com/office/2006/metadata/properties"/>
+    <ds:schemaRef ds:uri="http://schemas.microsoft.com/office/infopath/2007/PartnerControls"/>
+    <ds:schemaRef ds:uri="http://schemas.microsoft.com/sharepoint/v3"/>
+    <ds:schemaRef ds:uri="71af3243-3dd4-4a8d-8c0d-dd76da1f02a5"/>
+    <ds:schemaRef ds:uri="230e9df3-be65-4c73-a93b-d1236ebd677e"/>
+  </ds:schemaRefs>
+</ds:datastoreItem>
 </file>
 
-<file path=customXml/itemProps1.xml><?xml version="1.0" encoding="utf-8"?>
+<file path=customXml/itemProps3.xml><?xml version="1.0" encoding="utf-8"?>
 <ds:datastoreItem xmlns:ds="http://schemas.openxmlformats.org/officeDocument/2006/customXml" ds:itemID="{4DC6F004-8F9D-4F40-8394-6C4C67F70915}">
   <ds:schemaRefs>
     <ds:schemaRef ds:uri="http://schemas.microsoft.com/office/2006/metadata/contentType"/>
@@ -12518,26 +12739,6 @@
 </ds:datastoreItem>
 </file>
 
-<file path=customXml/itemProps2.xml><?xml version="1.0" encoding="utf-8"?>
-<ds:datastoreItem xmlns:ds="http://schemas.openxmlformats.org/officeDocument/2006/customXml" ds:itemID="{4CC7F809-A434-4A8D-A127-1C50C2DB3890}">
-  <ds:schemaRefs>
-    <ds:schemaRef ds:uri="http://schemas.microsoft.com/office/2006/metadata/properties"/>
-    <ds:schemaRef ds:uri="http://schemas.microsoft.com/office/infopath/2007/PartnerControls"/>
-    <ds:schemaRef ds:uri="http://schemas.microsoft.com/sharepoint/v3"/>
-    <ds:schemaRef ds:uri="71af3243-3dd4-4a8d-8c0d-dd76da1f02a5"/>
-    <ds:schemaRef ds:uri="230e9df3-be65-4c73-a93b-d1236ebd677e"/>
-  </ds:schemaRefs>
-</ds:datastoreItem>
-</file>
-
-<file path=customXml/itemProps3.xml><?xml version="1.0" encoding="utf-8"?>
-<ds:datastoreItem xmlns:ds="http://schemas.openxmlformats.org/officeDocument/2006/customXml" ds:itemID="{BD5826B4-4DD2-4A9B-8D6D-E91CF9C2316C}">
-  <ds:schemaRefs>
-    <ds:schemaRef ds:uri="http://schemas.microsoft.com/sharepoint/v3/contenttype/forms"/>
-  </ds:schemaRefs>
-</ds:datastoreItem>
-</file>
-
 <file path=docMetadata/LabelInfo.xml><?xml version="1.0" encoding="utf-8"?>
 <clbl:labelList xmlns:clbl="http://schemas.microsoft.com/office/2020/mipLabelMetadata">
   <clbl:label id="{f42aa342-8706-4288-bd11-ebb85995028c}" enabled="1" method="Standard" siteId="{72f988bf-86f1-41af-91ab-2d7cd011db47}" removed="0"/>
